--- a/ForestFirePresentationAid.pptx
+++ b/ForestFirePresentationAid.pptx
@@ -110,6 +110,11 @@
       </a:defRPr>
     </a:lvl9pPr>
   </p:defaultTextStyle>
+  <p:extLst>
+    <p:ext uri="{EFAFB233-063F-42B5-8137-9DF3F51BA10A}">
+      <p15:sldGuideLst xmlns:p15="http://schemas.microsoft.com/office/powerpoint/2012/main"/>
+    </p:ext>
+  </p:extLst>
 </p:presentation>
 </file>
 
@@ -1328,7 +1333,7 @@
                 <c:formatCode>General</c:formatCode>
                 <c:ptCount val="4"/>
                 <c:pt idx="0">
-                  <c:v>48</c:v>
+                  <c:v>47</c:v>
                 </c:pt>
                 <c:pt idx="1">
                   <c:v>2</c:v>
@@ -1337,7 +1342,7 @@
                   <c:v>0</c:v>
                 </c:pt>
                 <c:pt idx="3">
-                  <c:v>0</c:v>
+                  <c:v>1</c:v>
                 </c:pt>
               </c:numCache>
             </c:numRef>
@@ -1684,7 +1689,7 @@
                 <c:formatCode>General</c:formatCode>
                 <c:ptCount val="4"/>
                 <c:pt idx="0">
-                  <c:v>48</c:v>
+                  <c:v>47</c:v>
                 </c:pt>
                 <c:pt idx="1">
                   <c:v>0</c:v>
@@ -1758,7 +1763,7 @@
                   <c:v>0</c:v>
                 </c:pt>
                 <c:pt idx="1">
-                  <c:v>1</c:v>
+                  <c:v>2</c:v>
                 </c:pt>
                 <c:pt idx="2">
                   <c:v>0</c:v>
@@ -1826,7 +1831,7 @@
                 <c:formatCode>General</c:formatCode>
                 <c:ptCount val="4"/>
                 <c:pt idx="0">
-                  <c:v>2</c:v>
+                  <c:v>3</c:v>
                 </c:pt>
                 <c:pt idx="1">
                   <c:v>0</c:v>
@@ -10192,7 +10197,7 @@
             <p:ph idx="1"/>
             <p:extLst>
               <p:ext uri="{D42A27DB-BD31-4B8C-83A1-F6EECF244321}">
-                <p14:modId xmlns:p14="http://schemas.microsoft.com/office/powerpoint/2010/main" val="2355443944"/>
+                <p14:modId xmlns:p14="http://schemas.microsoft.com/office/powerpoint/2010/main" val="413374462"/>
               </p:ext>
             </p:extLst>
           </p:nvPr>
@@ -10307,7 +10312,7 @@
           <p:nvPr>
             <p:extLst>
               <p:ext uri="{D42A27DB-BD31-4B8C-83A1-F6EECF244321}">
-                <p14:modId xmlns:p14="http://schemas.microsoft.com/office/powerpoint/2010/main" val="919843947"/>
+                <p14:modId xmlns:p14="http://schemas.microsoft.com/office/powerpoint/2010/main" val="2943183743"/>
               </p:ext>
             </p:extLst>
           </p:nvPr>
